--- a/docs/diagrams/UndoRedoNewCommand2StateListDiagram.pptx
+++ b/docs/diagrams/UndoRedoNewCommand2StateListDiagram.pptx
@@ -112,10 +112,6 @@
 </p:presentation>
 </file>
 
-<file path=ppt/revisionInfo.xml><?xml version="1.0" encoding="utf-8"?>
-<p1510:revInfo xmlns:a="http://schemas.openxmlformats.org/drawingml/2006/main" xmlns:r="http://schemas.openxmlformats.org/officeDocument/2006/relationships" xmlns:p1510="http://schemas.microsoft.com/office/powerpoint/2015/10/main"/>
-</file>
-
 <file path=ppt/slideLayouts/slideLayout1.xml><?xml version="1.0" encoding="utf-8"?>
 <p:sldLayout xmlns:a="http://schemas.openxmlformats.org/drawingml/2006/main" xmlns:r="http://schemas.openxmlformats.org/officeDocument/2006/relationships" xmlns:p="http://schemas.openxmlformats.org/presentationml/2006/main" type="title" preserve="1">
   <p:cSld name="Title Slide">
@@ -265,7 +261,7 @@
           <a:p>
             <a:fld id="{03EC4E3E-8101-482F-A883-8B55DAFF7C07}" type="datetimeFigureOut">
               <a:rPr lang="en-SG" smtClean="0"/>
-              <a:t>6/7/2018</a:t>
+              <a:t>11/11/2018</a:t>
             </a:fld>
             <a:endParaRPr lang="en-SG"/>
           </a:p>
@@ -465,7 +461,7 @@
           <a:p>
             <a:fld id="{03EC4E3E-8101-482F-A883-8B55DAFF7C07}" type="datetimeFigureOut">
               <a:rPr lang="en-SG" smtClean="0"/>
-              <a:t>6/7/2018</a:t>
+              <a:t>11/11/2018</a:t>
             </a:fld>
             <a:endParaRPr lang="en-SG"/>
           </a:p>
@@ -675,7 +671,7 @@
           <a:p>
             <a:fld id="{03EC4E3E-8101-482F-A883-8B55DAFF7C07}" type="datetimeFigureOut">
               <a:rPr lang="en-SG" smtClean="0"/>
-              <a:t>6/7/2018</a:t>
+              <a:t>11/11/2018</a:t>
             </a:fld>
             <a:endParaRPr lang="en-SG"/>
           </a:p>
@@ -875,7 +871,7 @@
           <a:p>
             <a:fld id="{03EC4E3E-8101-482F-A883-8B55DAFF7C07}" type="datetimeFigureOut">
               <a:rPr lang="en-SG" smtClean="0"/>
-              <a:t>6/7/2018</a:t>
+              <a:t>11/11/2018</a:t>
             </a:fld>
             <a:endParaRPr lang="en-SG"/>
           </a:p>
@@ -1151,7 +1147,7 @@
           <a:p>
             <a:fld id="{03EC4E3E-8101-482F-A883-8B55DAFF7C07}" type="datetimeFigureOut">
               <a:rPr lang="en-SG" smtClean="0"/>
-              <a:t>6/7/2018</a:t>
+              <a:t>11/11/2018</a:t>
             </a:fld>
             <a:endParaRPr lang="en-SG"/>
           </a:p>
@@ -1419,7 +1415,7 @@
           <a:p>
             <a:fld id="{03EC4E3E-8101-482F-A883-8B55DAFF7C07}" type="datetimeFigureOut">
               <a:rPr lang="en-SG" smtClean="0"/>
-              <a:t>6/7/2018</a:t>
+              <a:t>11/11/2018</a:t>
             </a:fld>
             <a:endParaRPr lang="en-SG"/>
           </a:p>
@@ -1834,7 +1830,7 @@
           <a:p>
             <a:fld id="{03EC4E3E-8101-482F-A883-8B55DAFF7C07}" type="datetimeFigureOut">
               <a:rPr lang="en-SG" smtClean="0"/>
-              <a:t>6/7/2018</a:t>
+              <a:t>11/11/2018</a:t>
             </a:fld>
             <a:endParaRPr lang="en-SG"/>
           </a:p>
@@ -1976,7 +1972,7 @@
           <a:p>
             <a:fld id="{03EC4E3E-8101-482F-A883-8B55DAFF7C07}" type="datetimeFigureOut">
               <a:rPr lang="en-SG" smtClean="0"/>
-              <a:t>6/7/2018</a:t>
+              <a:t>11/11/2018</a:t>
             </a:fld>
             <a:endParaRPr lang="en-SG"/>
           </a:p>
@@ -2089,7 +2085,7 @@
           <a:p>
             <a:fld id="{03EC4E3E-8101-482F-A883-8B55DAFF7C07}" type="datetimeFigureOut">
               <a:rPr lang="en-SG" smtClean="0"/>
-              <a:t>6/7/2018</a:t>
+              <a:t>11/11/2018</a:t>
             </a:fld>
             <a:endParaRPr lang="en-SG"/>
           </a:p>
@@ -2402,7 +2398,7 @@
           <a:p>
             <a:fld id="{03EC4E3E-8101-482F-A883-8B55DAFF7C07}" type="datetimeFigureOut">
               <a:rPr lang="en-SG" smtClean="0"/>
-              <a:t>6/7/2018</a:t>
+              <a:t>11/11/2018</a:t>
             </a:fld>
             <a:endParaRPr lang="en-SG"/>
           </a:p>
@@ -2691,7 +2687,7 @@
           <a:p>
             <a:fld id="{03EC4E3E-8101-482F-A883-8B55DAFF7C07}" type="datetimeFigureOut">
               <a:rPr lang="en-SG" smtClean="0"/>
-              <a:t>6/7/2018</a:t>
+              <a:t>11/11/2018</a:t>
             </a:fld>
             <a:endParaRPr lang="en-SG"/>
           </a:p>
@@ -2934,7 +2930,7 @@
           <a:p>
             <a:fld id="{03EC4E3E-8101-482F-A883-8B55DAFF7C07}" type="datetimeFigureOut">
               <a:rPr lang="en-SG" smtClean="0"/>
-              <a:t>6/7/2018</a:t>
+              <a:t>11/11/2018</a:t>
             </a:fld>
             <a:endParaRPr lang="en-SG"/>
           </a:p>
@@ -3360,7 +3356,7 @@
         <p:spPr>
           <a:xfrm>
             <a:off x="5129284" y="2264095"/>
-            <a:ext cx="1933431" cy="1383977"/>
+            <a:ext cx="2700818" cy="1383977"/>
           </a:xfrm>
           <a:prstGeom prst="downArrow">
             <a:avLst/>
@@ -3389,7 +3385,7 @@
             <a:pPr algn="ctr"/>
             <a:r>
               <a:rPr lang="en-SG" dirty="0"/>
-              <a:t>Add n/David… </a:t>
+              <a:t>Add name/David… </a:t>
             </a:r>
             <a:endParaRPr lang="en-US" dirty="0"/>
           </a:p>
@@ -3397,10 +3393,10 @@
       </p:sp>
       <p:sp>
         <p:nvSpPr>
-          <p:cNvPr id="24" name="TextBox 23">
-            <a:extLst>
-              <a:ext uri="{FF2B5EF4-FFF2-40B4-BE49-F238E27FC236}">
-                <a16:creationId xmlns:a16="http://schemas.microsoft.com/office/drawing/2014/main" id="{3151A13B-9509-43FA-BFEB-1D9866A00B84}"/>
+          <p:cNvPr id="20" name="TextBox 19">
+            <a:extLst>
+              <a:ext uri="{FF2B5EF4-FFF2-40B4-BE49-F238E27FC236}">
+                <a16:creationId xmlns:a16="http://schemas.microsoft.com/office/drawing/2014/main" id="{423FF40E-3F6E-4ABB-98A5-86B960398120}"/>
               </a:ext>
             </a:extLst>
           </p:cNvPr>
@@ -3409,7 +3405,7 @@
         </p:nvSpPr>
         <p:spPr>
           <a:xfrm>
-            <a:off x="1836612" y="2726030"/>
+            <a:off x="1548060" y="2860123"/>
             <a:ext cx="3207000" cy="369332"/>
           </a:xfrm>
           <a:prstGeom prst="rect">
@@ -3425,26 +3421,20 @@
           <a:p>
             <a:pPr algn="ctr"/>
             <a:r>
-              <a:rPr lang="en-SG" dirty="0" err="1">
-                <a:latin typeface="Consolas" panose="020B0609020204030204" pitchFamily="49" charset="0"/>
-              </a:rPr>
-              <a:t>currentStatePointer</a:t>
-            </a:r>
-            <a:r>
               <a:rPr lang="en-SG" dirty="0">
                 <a:latin typeface="Consolas" panose="020B0609020204030204" pitchFamily="49" charset="0"/>
               </a:rPr>
-              <a:t> = 1</a:t>
+              <a:t>currentStatePointer = 1</a:t>
             </a:r>
           </a:p>
         </p:txBody>
       </p:sp>
       <p:graphicFrame>
         <p:nvGraphicFramePr>
-          <p:cNvPr id="25" name="Table 24">
-            <a:extLst>
-              <a:ext uri="{FF2B5EF4-FFF2-40B4-BE49-F238E27FC236}">
-                <a16:creationId xmlns:a16="http://schemas.microsoft.com/office/drawing/2014/main" id="{F545FAB8-F1CE-4886-9BDE-E772BCB0A9C4}"/>
+          <p:cNvPr id="21" name="Table 20">
+            <a:extLst>
+              <a:ext uri="{FF2B5EF4-FFF2-40B4-BE49-F238E27FC236}">
+                <a16:creationId xmlns:a16="http://schemas.microsoft.com/office/drawing/2014/main" id="{37AF51B6-E9B7-4B9F-A119-320B27A624B8}"/>
               </a:ext>
             </a:extLst>
           </p:cNvPr>
@@ -3454,14 +3444,14 @@
           <p:nvPr>
             <p:extLst>
               <p:ext uri="{D42A27DB-BD31-4B8C-83A1-F6EECF244321}">
-                <p14:modId xmlns:p14="http://schemas.microsoft.com/office/powerpoint/2010/main" val="3571951523"/>
+                <p14:modId xmlns:p14="http://schemas.microsoft.com/office/powerpoint/2010/main" val="3673285766"/>
               </p:ext>
             </p:extLst>
           </p:nvPr>
         </p:nvGraphicFramePr>
         <p:xfrm>
-          <a:off x="473240" y="1476102"/>
-          <a:ext cx="1825824" cy="417888"/>
+          <a:off x="495846" y="1603329"/>
+          <a:ext cx="2096326" cy="410363"/>
         </p:xfrm>
         <a:graphic>
           <a:graphicData uri="http://schemas.openxmlformats.org/drawingml/2006/table">
@@ -3470,7 +3460,7 @@
                 <a:tableStyleId>{638B1855-1B75-4FBE-930C-398BA8C253C6}</a:tableStyleId>
               </a:tblPr>
               <a:tblGrid>
-                <a:gridCol w="1825824">
+                <a:gridCol w="2096326">
                   <a:extLst>
                     <a:ext uri="{9D8B030D-6E8A-4147-A177-3AD203B41FA5}">
                       <a16:colId xmlns:a16="http://schemas.microsoft.com/office/drawing/2014/main" val="4240773277"/>
@@ -3478,19 +3468,20 @@
                   </a:extLst>
                 </a:gridCol>
               </a:tblGrid>
-              <a:tr h="417888">
+              <a:tr h="410363">
                 <a:tc>
                   <a:txBody>
                     <a:bodyPr/>
                     <a:lstStyle/>
                     <a:p>
+                      <a:pPr algn="ctr"/>
                       <a:r>
                         <a:rPr lang="en-SG" u="sng" dirty="0"/>
-                        <a:t>ab0:A</a:t>
+                        <a:t>tdl0:</a:t>
                       </a:r>
                       <a:r>
                         <a:rPr lang="en-SG" sz="1800" u="sng" dirty="0"/>
-                        <a:t>ddressBook</a:t>
+                        <a:t>TrackedDataList</a:t>
                       </a:r>
                       <a:endParaRPr lang="en-SG" sz="1600" u="sng" dirty="0"/>
                     </a:p>
@@ -3509,13 +3500,19 @@
       </p:graphicFrame>
       <p:sp>
         <p:nvSpPr>
-          <p:cNvPr id="29" name="Rectangle 28"/>
+          <p:cNvPr id="22" name="Rectangle 21">
+            <a:extLst>
+              <a:ext uri="{FF2B5EF4-FFF2-40B4-BE49-F238E27FC236}">
+                <a16:creationId xmlns:a16="http://schemas.microsoft.com/office/drawing/2014/main" id="{665BD3A2-E2F5-4EB6-A966-E8852D781B46}"/>
+              </a:ext>
+            </a:extLst>
+          </p:cNvPr>
           <p:cNvSpPr/>
           <p:nvPr/>
         </p:nvSpPr>
         <p:spPr>
           <a:xfrm>
-            <a:off x="364797" y="1375953"/>
+            <a:off x="387404" y="1503180"/>
             <a:ext cx="11364686" cy="618187"/>
           </a:xfrm>
           <a:prstGeom prst="rect">
@@ -3553,60 +3550,135 @@
           </a:p>
         </p:txBody>
       </p:sp>
-      <p:sp>
-        <p:nvSpPr>
-          <p:cNvPr id="30" name="TextBox 29">
-            <a:extLst>
-              <a:ext uri="{FF2B5EF4-FFF2-40B4-BE49-F238E27FC236}">
-                <a16:creationId xmlns:a16="http://schemas.microsoft.com/office/drawing/2014/main" id="{3151A13B-9509-43FA-BFEB-1D9866A00B84}"/>
-              </a:ext>
-            </a:extLst>
-          </p:cNvPr>
-          <p:cNvSpPr txBox="1"/>
+      <p:cxnSp>
+        <p:nvCxnSpPr>
+          <p:cNvPr id="23" name="Straight Arrow Connector 22">
+            <a:extLst>
+              <a:ext uri="{FF2B5EF4-FFF2-40B4-BE49-F238E27FC236}">
+                <a16:creationId xmlns:a16="http://schemas.microsoft.com/office/drawing/2014/main" id="{26679D68-553C-4160-9396-831A2161CDD8}"/>
+              </a:ext>
+            </a:extLst>
+          </p:cNvPr>
+          <p:cNvCxnSpPr>
+            <a:cxnSpLocks/>
+          </p:cNvCxnSpPr>
+          <p:nvPr/>
+        </p:nvCxnSpPr>
+        <p:spPr>
+          <a:xfrm flipV="1">
+            <a:off x="3734296" y="2165810"/>
+            <a:ext cx="0" cy="706873"/>
+          </a:xfrm>
+          <a:prstGeom prst="straightConnector1">
+            <a:avLst/>
+          </a:prstGeom>
+          <a:ln>
+            <a:solidFill>
+              <a:srgbClr val="C00000"/>
+            </a:solidFill>
+            <a:tailEnd type="triangle"/>
+          </a:ln>
+        </p:spPr>
+        <p:style>
+          <a:lnRef idx="1">
+            <a:schemeClr val="accent1"/>
+          </a:lnRef>
+          <a:fillRef idx="0">
+            <a:schemeClr val="accent1"/>
+          </a:fillRef>
+          <a:effectRef idx="0">
+            <a:schemeClr val="accent1"/>
+          </a:effectRef>
+          <a:fontRef idx="minor">
+            <a:schemeClr val="tx1"/>
+          </a:fontRef>
+        </p:style>
+      </p:cxnSp>
+      <p:graphicFrame>
+        <p:nvGraphicFramePr>
+          <p:cNvPr id="26" name="Table 25">
+            <a:extLst>
+              <a:ext uri="{FF2B5EF4-FFF2-40B4-BE49-F238E27FC236}">
+                <a16:creationId xmlns:a16="http://schemas.microsoft.com/office/drawing/2014/main" id="{709725DB-0A4B-462D-9A6B-8C384944EB1C}"/>
+              </a:ext>
+            </a:extLst>
+          </p:cNvPr>
+          <p:cNvGraphicFramePr>
+            <a:graphicFrameLocks noGrp="1"/>
+          </p:cNvGraphicFramePr>
+          <p:nvPr>
+            <p:extLst>
+              <p:ext uri="{D42A27DB-BD31-4B8C-83A1-F6EECF244321}">
+                <p14:modId xmlns:p14="http://schemas.microsoft.com/office/powerpoint/2010/main" val="804534110"/>
+              </p:ext>
+            </p:extLst>
+          </p:nvPr>
+        </p:nvGraphicFramePr>
+        <p:xfrm>
+          <a:off x="495846" y="940699"/>
+          <a:ext cx="2096326" cy="410363"/>
+        </p:xfrm>
+        <a:graphic>
+          <a:graphicData uri="http://schemas.openxmlformats.org/drawingml/2006/table">
+            <a:tbl>
+              <a:tblPr>
+                <a:tableStyleId>{638B1855-1B75-4FBE-930C-398BA8C253C6}</a:tableStyleId>
+              </a:tblPr>
+              <a:tblGrid>
+                <a:gridCol w="2096326">
+                  <a:extLst>
+                    <a:ext uri="{9D8B030D-6E8A-4147-A177-3AD203B41FA5}">
+                      <a16:colId xmlns:a16="http://schemas.microsoft.com/office/drawing/2014/main" val="4240773277"/>
+                    </a:ext>
+                  </a:extLst>
+                </a:gridCol>
+              </a:tblGrid>
+              <a:tr h="410363">
+                <a:tc>
+                  <a:txBody>
+                    <a:bodyPr/>
+                    <a:lstStyle/>
+                    <a:p>
+                      <a:pPr algn="ctr"/>
+                      <a:r>
+                        <a:rPr lang="en-SG" u="sng" dirty="0"/>
+                        <a:t>td0:</a:t>
+                      </a:r>
+                      <a:r>
+                        <a:rPr lang="en-SG" sz="1800" u="sng" dirty="0"/>
+                        <a:t>TrackedData</a:t>
+                      </a:r>
+                      <a:endParaRPr lang="en-SG" sz="1600" u="sng" dirty="0"/>
+                    </a:p>
+                  </a:txBody>
+                  <a:tcPr/>
+                </a:tc>
+                <a:extLst>
+                  <a:ext uri="{0D108BD9-81ED-4DB2-BD59-A6C34878D82A}">
+                    <a16:rowId xmlns:a16="http://schemas.microsoft.com/office/drawing/2014/main" val="2194462629"/>
+                  </a:ext>
+                </a:extLst>
+              </a:tr>
+            </a:tbl>
+          </a:graphicData>
+        </a:graphic>
+      </p:graphicFrame>
+      <p:sp>
+        <p:nvSpPr>
+          <p:cNvPr id="27" name="Rectangle 26">
+            <a:extLst>
+              <a:ext uri="{FF2B5EF4-FFF2-40B4-BE49-F238E27FC236}">
+                <a16:creationId xmlns:a16="http://schemas.microsoft.com/office/drawing/2014/main" id="{34CA00FF-6580-47F0-AE6A-7E684F483FEE}"/>
+              </a:ext>
+            </a:extLst>
+          </p:cNvPr>
+          <p:cNvSpPr/>
           <p:nvPr/>
         </p:nvSpPr>
         <p:spPr>
           <a:xfrm>
-            <a:off x="3894137" y="5123174"/>
-            <a:ext cx="3207000" cy="369332"/>
-          </a:xfrm>
-          <a:prstGeom prst="rect">
-            <a:avLst/>
-          </a:prstGeom>
-          <a:noFill/>
-        </p:spPr>
-        <p:txBody>
-          <a:bodyPr wrap="square" rtlCol="0">
-            <a:spAutoFit/>
-          </a:bodyPr>
-          <a:lstStyle/>
-          <a:p>
-            <a:pPr algn="ctr"/>
-            <a:r>
-              <a:rPr lang="en-SG" dirty="0" err="1">
-                <a:latin typeface="Consolas" panose="020B0609020204030204" pitchFamily="49" charset="0"/>
-              </a:rPr>
-              <a:t>currentStatePointer</a:t>
-            </a:r>
-            <a:r>
-              <a:rPr lang="en-SG" dirty="0">
-                <a:latin typeface="Consolas" panose="020B0609020204030204" pitchFamily="49" charset="0"/>
-              </a:rPr>
-              <a:t> = 2</a:t>
-            </a:r>
-          </a:p>
-        </p:txBody>
-      </p:sp>
-      <p:sp>
-        <p:nvSpPr>
-          <p:cNvPr id="33" name="Rectangle 32"/>
-          <p:cNvSpPr/>
-          <p:nvPr/>
-        </p:nvSpPr>
-        <p:spPr>
-          <a:xfrm>
-            <a:off x="387404" y="3838574"/>
-            <a:ext cx="11364686" cy="593918"/>
+            <a:off x="387404" y="840550"/>
+            <a:ext cx="11364686" cy="618187"/>
           </a:xfrm>
           <a:prstGeom prst="rect">
             <a:avLst/>
@@ -3645,10 +3717,10 @@
       </p:sp>
       <p:graphicFrame>
         <p:nvGraphicFramePr>
-          <p:cNvPr id="15" name="Table 14">
-            <a:extLst>
-              <a:ext uri="{FF2B5EF4-FFF2-40B4-BE49-F238E27FC236}">
-                <a16:creationId xmlns:a16="http://schemas.microsoft.com/office/drawing/2014/main" id="{F545FAB8-F1CE-4886-9BDE-E772BCB0A9C4}"/>
+          <p:cNvPr id="28" name="Table 27">
+            <a:extLst>
+              <a:ext uri="{FF2B5EF4-FFF2-40B4-BE49-F238E27FC236}">
+                <a16:creationId xmlns:a16="http://schemas.microsoft.com/office/drawing/2014/main" id="{B8AC0F5C-C2E9-4B04-885E-24B3F1968464}"/>
               </a:ext>
             </a:extLst>
           </p:cNvPr>
@@ -3658,14 +3730,14 @@
           <p:nvPr>
             <p:extLst>
               <p:ext uri="{D42A27DB-BD31-4B8C-83A1-F6EECF244321}">
-                <p14:modId xmlns:p14="http://schemas.microsoft.com/office/powerpoint/2010/main" val="2341913009"/>
+                <p14:modId xmlns:p14="http://schemas.microsoft.com/office/powerpoint/2010/main" val="3917479673"/>
               </p:ext>
             </p:extLst>
           </p:nvPr>
         </p:nvGraphicFramePr>
         <p:xfrm>
-          <a:off x="2491232" y="1476102"/>
-          <a:ext cx="1825824" cy="417888"/>
+          <a:off x="495846" y="270527"/>
+          <a:ext cx="2096326" cy="410363"/>
         </p:xfrm>
         <a:graphic>
           <a:graphicData uri="http://schemas.openxmlformats.org/drawingml/2006/table">
@@ -3674,7 +3746,7 @@
                 <a:tableStyleId>{638B1855-1B75-4FBE-930C-398BA8C253C6}</a:tableStyleId>
               </a:tblPr>
               <a:tblGrid>
-                <a:gridCol w="1825824">
+                <a:gridCol w="2096326">
                   <a:extLst>
                     <a:ext uri="{9D8B030D-6E8A-4147-A177-3AD203B41FA5}">
                       <a16:colId xmlns:a16="http://schemas.microsoft.com/office/drawing/2014/main" val="4240773277"/>
@@ -3682,19 +3754,141 @@
                   </a:extLst>
                 </a:gridCol>
               </a:tblGrid>
-              <a:tr h="417888">
+              <a:tr h="410363">
                 <a:tc>
                   <a:txBody>
                     <a:bodyPr/>
                     <a:lstStyle/>
                     <a:p>
+                      <a:pPr algn="ctr"/>
                       <a:r>
                         <a:rPr lang="en-SG" u="sng" dirty="0"/>
-                        <a:t>ab1:A</a:t>
+                        <a:t>wb0:</a:t>
                       </a:r>
                       <a:r>
                         <a:rPr lang="en-SG" sz="1800" u="sng" dirty="0"/>
-                        <a:t>ddressBook</a:t>
+                        <a:t>WorkoutBook</a:t>
+                      </a:r>
+                      <a:endParaRPr lang="en-SG" sz="1600" u="sng" dirty="0"/>
+                    </a:p>
+                  </a:txBody>
+                  <a:tcPr/>
+                </a:tc>
+                <a:extLst>
+                  <a:ext uri="{0D108BD9-81ED-4DB2-BD59-A6C34878D82A}">
+                    <a16:rowId xmlns:a16="http://schemas.microsoft.com/office/drawing/2014/main" val="2194462629"/>
+                  </a:ext>
+                </a:extLst>
+              </a:tr>
+            </a:tbl>
+          </a:graphicData>
+        </a:graphic>
+      </p:graphicFrame>
+      <p:sp>
+        <p:nvSpPr>
+          <p:cNvPr id="31" name="Rectangle 30">
+            <a:extLst>
+              <a:ext uri="{FF2B5EF4-FFF2-40B4-BE49-F238E27FC236}">
+                <a16:creationId xmlns:a16="http://schemas.microsoft.com/office/drawing/2014/main" id="{FBAD11C6-542F-4CB1-9637-B0168372033E}"/>
+              </a:ext>
+            </a:extLst>
+          </p:cNvPr>
+          <p:cNvSpPr/>
+          <p:nvPr/>
+        </p:nvSpPr>
+        <p:spPr>
+          <a:xfrm>
+            <a:off x="387404" y="170378"/>
+            <a:ext cx="11364686" cy="618187"/>
+          </a:xfrm>
+          <a:prstGeom prst="rect">
+            <a:avLst/>
+          </a:prstGeom>
+          <a:noFill/>
+          <a:ln>
+            <a:solidFill>
+              <a:schemeClr val="tx1"/>
+            </a:solidFill>
+          </a:ln>
+        </p:spPr>
+        <p:style>
+          <a:lnRef idx="2">
+            <a:schemeClr val="accent1">
+              <a:shade val="50000"/>
+            </a:schemeClr>
+          </a:lnRef>
+          <a:fillRef idx="1">
+            <a:schemeClr val="accent1"/>
+          </a:fillRef>
+          <a:effectRef idx="0">
+            <a:schemeClr val="accent1"/>
+          </a:effectRef>
+          <a:fontRef idx="minor">
+            <a:schemeClr val="lt1"/>
+          </a:fontRef>
+        </p:style>
+        <p:txBody>
+          <a:bodyPr rtlCol="0" anchor="ctr"/>
+          <a:lstStyle/>
+          <a:p>
+            <a:pPr algn="ctr"/>
+            <a:endParaRPr lang="en-US"/>
+          </a:p>
+        </p:txBody>
+      </p:sp>
+      <p:graphicFrame>
+        <p:nvGraphicFramePr>
+          <p:cNvPr id="32" name="Table 31">
+            <a:extLst>
+              <a:ext uri="{FF2B5EF4-FFF2-40B4-BE49-F238E27FC236}">
+                <a16:creationId xmlns:a16="http://schemas.microsoft.com/office/drawing/2014/main" id="{15241426-E249-4EFF-A03A-E54C77DF57E8}"/>
+              </a:ext>
+            </a:extLst>
+          </p:cNvPr>
+          <p:cNvGraphicFramePr>
+            <a:graphicFrameLocks noGrp="1"/>
+          </p:cNvGraphicFramePr>
+          <p:nvPr>
+            <p:extLst>
+              <p:ext uri="{D42A27DB-BD31-4B8C-83A1-F6EECF244321}">
+                <p14:modId xmlns:p14="http://schemas.microsoft.com/office/powerpoint/2010/main" val="2466458978"/>
+              </p:ext>
+            </p:extLst>
+          </p:nvPr>
+        </p:nvGraphicFramePr>
+        <p:xfrm>
+          <a:off x="2700614" y="1603329"/>
+          <a:ext cx="2096326" cy="410363"/>
+        </p:xfrm>
+        <a:graphic>
+          <a:graphicData uri="http://schemas.openxmlformats.org/drawingml/2006/table">
+            <a:tbl>
+              <a:tblPr>
+                <a:tableStyleId>{638B1855-1B75-4FBE-930C-398BA8C253C6}</a:tableStyleId>
+              </a:tblPr>
+              <a:tblGrid>
+                <a:gridCol w="2096326">
+                  <a:extLst>
+                    <a:ext uri="{9D8B030D-6E8A-4147-A177-3AD203B41FA5}">
+                      <a16:colId xmlns:a16="http://schemas.microsoft.com/office/drawing/2014/main" val="4240773277"/>
+                    </a:ext>
+                  </a:extLst>
+                </a:gridCol>
+              </a:tblGrid>
+              <a:tr h="410363">
+                <a:tc>
+                  <a:txBody>
+                    <a:bodyPr/>
+                    <a:lstStyle/>
+                    <a:p>
+                      <a:pPr algn="ctr"/>
+                      <a:r>
+                        <a:rPr lang="en-SG" u="sng" dirty="0"/>
+                        <a:t>tdl1:</a:t>
+                      </a:r>
+                      <a:r>
+                        <a:rPr lang="en-SG" sz="1800" u="sng" dirty="0"/>
+                        <a:t>TrackedDataList</a:t>
                       </a:r>
                       <a:endParaRPr lang="en-SG" sz="1600" u="sng" dirty="0"/>
                     </a:p>
@@ -3713,10 +3907,10 @@
       </p:graphicFrame>
       <p:graphicFrame>
         <p:nvGraphicFramePr>
-          <p:cNvPr id="16" name="Table 15">
-            <a:extLst>
-              <a:ext uri="{FF2B5EF4-FFF2-40B4-BE49-F238E27FC236}">
-                <a16:creationId xmlns:a16="http://schemas.microsoft.com/office/drawing/2014/main" id="{F545FAB8-F1CE-4886-9BDE-E772BCB0A9C4}"/>
+          <p:cNvPr id="34" name="Table 33">
+            <a:extLst>
+              <a:ext uri="{FF2B5EF4-FFF2-40B4-BE49-F238E27FC236}">
+                <a16:creationId xmlns:a16="http://schemas.microsoft.com/office/drawing/2014/main" id="{F641F7F2-56AE-45E7-803E-0136A11C27F0}"/>
               </a:ext>
             </a:extLst>
           </p:cNvPr>
@@ -3726,14 +3920,14 @@
           <p:nvPr>
             <p:extLst>
               <p:ext uri="{D42A27DB-BD31-4B8C-83A1-F6EECF244321}">
-                <p14:modId xmlns:p14="http://schemas.microsoft.com/office/powerpoint/2010/main" val="2172716932"/>
+                <p14:modId xmlns:p14="http://schemas.microsoft.com/office/powerpoint/2010/main" val="3268740746"/>
               </p:ext>
             </p:extLst>
           </p:nvPr>
         </p:nvGraphicFramePr>
         <p:xfrm>
-          <a:off x="4509224" y="3926589"/>
-          <a:ext cx="1825824" cy="417888"/>
+          <a:off x="2700614" y="940699"/>
+          <a:ext cx="2096326" cy="410363"/>
         </p:xfrm>
         <a:graphic>
           <a:graphicData uri="http://schemas.openxmlformats.org/drawingml/2006/table">
@@ -3742,7 +3936,7 @@
                 <a:tableStyleId>{638B1855-1B75-4FBE-930C-398BA8C253C6}</a:tableStyleId>
               </a:tblPr>
               <a:tblGrid>
-                <a:gridCol w="1825824">
+                <a:gridCol w="2096326">
                   <a:extLst>
                     <a:ext uri="{9D8B030D-6E8A-4147-A177-3AD203B41FA5}">
                       <a16:colId xmlns:a16="http://schemas.microsoft.com/office/drawing/2014/main" val="4240773277"/>
@@ -3750,19 +3944,20 @@
                   </a:extLst>
                 </a:gridCol>
               </a:tblGrid>
-              <a:tr h="417888">
+              <a:tr h="410363">
                 <a:tc>
                   <a:txBody>
                     <a:bodyPr/>
                     <a:lstStyle/>
                     <a:p>
+                      <a:pPr algn="ctr"/>
                       <a:r>
-                        <a:rPr lang="en-SG" u="sng"/>
-                        <a:t>ab2:A</a:t>
+                        <a:rPr lang="en-SG" u="sng" dirty="0"/>
+                        <a:t>td1:</a:t>
                       </a:r>
                       <a:r>
-                        <a:rPr lang="en-SG" sz="1800" u="sng"/>
-                        <a:t>ddressBook</a:t>
+                        <a:rPr lang="en-SG" sz="1800" u="sng" dirty="0"/>
+                        <a:t>TrackedData</a:t>
                       </a:r>
                       <a:endParaRPr lang="en-SG" sz="1600" u="sng" dirty="0"/>
                     </a:p>
@@ -3781,10 +3976,10 @@
       </p:graphicFrame>
       <p:graphicFrame>
         <p:nvGraphicFramePr>
-          <p:cNvPr id="17" name="Table 16">
-            <a:extLst>
-              <a:ext uri="{FF2B5EF4-FFF2-40B4-BE49-F238E27FC236}">
-                <a16:creationId xmlns:a16="http://schemas.microsoft.com/office/drawing/2014/main" id="{F545FAB8-F1CE-4886-9BDE-E772BCB0A9C4}"/>
+          <p:cNvPr id="35" name="Table 34">
+            <a:extLst>
+              <a:ext uri="{FF2B5EF4-FFF2-40B4-BE49-F238E27FC236}">
+                <a16:creationId xmlns:a16="http://schemas.microsoft.com/office/drawing/2014/main" id="{16B26E59-A6E0-4B13-B5F1-EA0D04F62626}"/>
               </a:ext>
             </a:extLst>
           </p:cNvPr>
@@ -3794,14 +3989,14 @@
           <p:nvPr>
             <p:extLst>
               <p:ext uri="{D42A27DB-BD31-4B8C-83A1-F6EECF244321}">
-                <p14:modId xmlns:p14="http://schemas.microsoft.com/office/powerpoint/2010/main" val="4094059841"/>
+                <p14:modId xmlns:p14="http://schemas.microsoft.com/office/powerpoint/2010/main" val="3982431109"/>
               </p:ext>
             </p:extLst>
           </p:nvPr>
         </p:nvGraphicFramePr>
         <p:xfrm>
-          <a:off x="2491232" y="3908450"/>
-          <a:ext cx="1825824" cy="417888"/>
+          <a:off x="2700614" y="270527"/>
+          <a:ext cx="2096326" cy="410363"/>
         </p:xfrm>
         <a:graphic>
           <a:graphicData uri="http://schemas.openxmlformats.org/drawingml/2006/table">
@@ -3810,7 +4005,7 @@
                 <a:tableStyleId>{638B1855-1B75-4FBE-930C-398BA8C253C6}</a:tableStyleId>
               </a:tblPr>
               <a:tblGrid>
-                <a:gridCol w="1825824">
+                <a:gridCol w="2096326">
                   <a:extLst>
                     <a:ext uri="{9D8B030D-6E8A-4147-A177-3AD203B41FA5}">
                       <a16:colId xmlns:a16="http://schemas.microsoft.com/office/drawing/2014/main" val="4240773277"/>
@@ -3818,19 +4013,20 @@
                   </a:extLst>
                 </a:gridCol>
               </a:tblGrid>
-              <a:tr h="417888">
+              <a:tr h="410363">
                 <a:tc>
                   <a:txBody>
                     <a:bodyPr/>
                     <a:lstStyle/>
                     <a:p>
+                      <a:pPr algn="ctr"/>
                       <a:r>
                         <a:rPr lang="en-SG" u="sng" dirty="0"/>
-                        <a:t>ab1:A</a:t>
+                        <a:t>wb1:</a:t>
                       </a:r>
                       <a:r>
                         <a:rPr lang="en-SG" sz="1800" u="sng" dirty="0"/>
-                        <a:t>ddressBook</a:t>
+                        <a:t>WorkoutBook</a:t>
                       </a:r>
                       <a:endParaRPr lang="en-SG" sz="1600" u="sng" dirty="0"/>
                     </a:p>
@@ -3847,12 +4043,50 @@
           </a:graphicData>
         </a:graphic>
       </p:graphicFrame>
+      <p:sp>
+        <p:nvSpPr>
+          <p:cNvPr id="36" name="TextBox 35">
+            <a:extLst>
+              <a:ext uri="{FF2B5EF4-FFF2-40B4-BE49-F238E27FC236}">
+                <a16:creationId xmlns:a16="http://schemas.microsoft.com/office/drawing/2014/main" id="{E4C27753-A66B-4C7D-AD72-293CF88F45A6}"/>
+              </a:ext>
+            </a:extLst>
+          </p:cNvPr>
+          <p:cNvSpPr txBox="1"/>
+          <p:nvPr/>
+        </p:nvSpPr>
+        <p:spPr>
+          <a:xfrm>
+            <a:off x="4492500" y="6404869"/>
+            <a:ext cx="3207000" cy="369332"/>
+          </a:xfrm>
+          <a:prstGeom prst="rect">
+            <a:avLst/>
+          </a:prstGeom>
+          <a:noFill/>
+        </p:spPr>
+        <p:txBody>
+          <a:bodyPr wrap="square" rtlCol="0">
+            <a:spAutoFit/>
+          </a:bodyPr>
+          <a:lstStyle/>
+          <a:p>
+            <a:pPr algn="ctr"/>
+            <a:r>
+              <a:rPr lang="en-SG" dirty="0">
+                <a:latin typeface="Consolas" panose="020B0609020204030204" pitchFamily="49" charset="0"/>
+              </a:rPr>
+              <a:t>currentStatePointer = 2</a:t>
+            </a:r>
+          </a:p>
+        </p:txBody>
+      </p:sp>
       <p:graphicFrame>
         <p:nvGraphicFramePr>
-          <p:cNvPr id="18" name="Table 17">
-            <a:extLst>
-              <a:ext uri="{FF2B5EF4-FFF2-40B4-BE49-F238E27FC236}">
-                <a16:creationId xmlns:a16="http://schemas.microsoft.com/office/drawing/2014/main" id="{F545FAB8-F1CE-4886-9BDE-E772BCB0A9C4}"/>
+          <p:cNvPr id="37" name="Table 36">
+            <a:extLst>
+              <a:ext uri="{FF2B5EF4-FFF2-40B4-BE49-F238E27FC236}">
+                <a16:creationId xmlns:a16="http://schemas.microsoft.com/office/drawing/2014/main" id="{62F00DBC-E240-4E5E-8D29-2AD8F0DE1531}"/>
               </a:ext>
             </a:extLst>
           </p:cNvPr>
@@ -3862,14 +4096,14 @@
           <p:nvPr>
             <p:extLst>
               <p:ext uri="{D42A27DB-BD31-4B8C-83A1-F6EECF244321}">
-                <p14:modId xmlns:p14="http://schemas.microsoft.com/office/powerpoint/2010/main" val="3467820198"/>
+                <p14:modId xmlns:p14="http://schemas.microsoft.com/office/powerpoint/2010/main" val="1426903796"/>
               </p:ext>
             </p:extLst>
           </p:nvPr>
         </p:nvGraphicFramePr>
         <p:xfrm>
-          <a:off x="473240" y="3908450"/>
-          <a:ext cx="1825824" cy="417888"/>
+          <a:off x="522099" y="5145198"/>
+          <a:ext cx="2096326" cy="410363"/>
         </p:xfrm>
         <a:graphic>
           <a:graphicData uri="http://schemas.openxmlformats.org/drawingml/2006/table">
@@ -3878,7 +4112,7 @@
                 <a:tableStyleId>{638B1855-1B75-4FBE-930C-398BA8C253C6}</a:tableStyleId>
               </a:tblPr>
               <a:tblGrid>
-                <a:gridCol w="1825824">
+                <a:gridCol w="2096326">
                   <a:extLst>
                     <a:ext uri="{9D8B030D-6E8A-4147-A177-3AD203B41FA5}">
                       <a16:colId xmlns:a16="http://schemas.microsoft.com/office/drawing/2014/main" val="4240773277"/>
@@ -3886,19 +4120,20 @@
                   </a:extLst>
                 </a:gridCol>
               </a:tblGrid>
-              <a:tr h="417888">
+              <a:tr h="410363">
                 <a:tc>
                   <a:txBody>
                     <a:bodyPr/>
                     <a:lstStyle/>
                     <a:p>
+                      <a:pPr algn="ctr"/>
                       <a:r>
                         <a:rPr lang="en-SG" u="sng" dirty="0"/>
-                        <a:t>ab0:A</a:t>
+                        <a:t>tdl0:</a:t>
                       </a:r>
                       <a:r>
                         <a:rPr lang="en-SG" sz="1800" u="sng" dirty="0"/>
-                        <a:t>ddressBook</a:t>
+                        <a:t>TrackedDataList</a:t>
                       </a:r>
                       <a:endParaRPr lang="en-SG" sz="1600" u="sng" dirty="0"/>
                     </a:p>
@@ -3915,12 +4150,64 @@
           </a:graphicData>
         </a:graphic>
       </p:graphicFrame>
+      <p:sp>
+        <p:nvSpPr>
+          <p:cNvPr id="38" name="Rectangle 37">
+            <a:extLst>
+              <a:ext uri="{FF2B5EF4-FFF2-40B4-BE49-F238E27FC236}">
+                <a16:creationId xmlns:a16="http://schemas.microsoft.com/office/drawing/2014/main" id="{7E4B62E9-5067-44DB-9454-2730099ABD5F}"/>
+              </a:ext>
+            </a:extLst>
+          </p:cNvPr>
+          <p:cNvSpPr/>
+          <p:nvPr/>
+        </p:nvSpPr>
+        <p:spPr>
+          <a:xfrm>
+            <a:off x="413657" y="5045049"/>
+            <a:ext cx="11364686" cy="618187"/>
+          </a:xfrm>
+          <a:prstGeom prst="rect">
+            <a:avLst/>
+          </a:prstGeom>
+          <a:noFill/>
+          <a:ln>
+            <a:solidFill>
+              <a:schemeClr val="tx1"/>
+            </a:solidFill>
+          </a:ln>
+        </p:spPr>
+        <p:style>
+          <a:lnRef idx="2">
+            <a:schemeClr val="accent1">
+              <a:shade val="50000"/>
+            </a:schemeClr>
+          </a:lnRef>
+          <a:fillRef idx="1">
+            <a:schemeClr val="accent1"/>
+          </a:fillRef>
+          <a:effectRef idx="0">
+            <a:schemeClr val="accent1"/>
+          </a:effectRef>
+          <a:fontRef idx="minor">
+            <a:schemeClr val="lt1"/>
+          </a:fontRef>
+        </p:style>
+        <p:txBody>
+          <a:bodyPr rtlCol="0" anchor="ctr"/>
+          <a:lstStyle/>
+          <a:p>
+            <a:pPr algn="ctr"/>
+            <a:endParaRPr lang="en-US"/>
+          </a:p>
+        </p:txBody>
+      </p:sp>
       <p:cxnSp>
         <p:nvCxnSpPr>
-          <p:cNvPr id="14" name="Straight Arrow Connector 13">
-            <a:extLst>
-              <a:ext uri="{FF2B5EF4-FFF2-40B4-BE49-F238E27FC236}">
-                <a16:creationId xmlns:a16="http://schemas.microsoft.com/office/drawing/2014/main" id="{DE6F144C-EC66-46E7-97DC-BB839A1578F5}"/>
+          <p:cNvPr id="39" name="Straight Arrow Connector 38">
+            <a:extLst>
+              <a:ext uri="{FF2B5EF4-FFF2-40B4-BE49-F238E27FC236}">
+                <a16:creationId xmlns:a16="http://schemas.microsoft.com/office/drawing/2014/main" id="{E1E1A3A6-E45B-415D-ADCB-11549C0136FE}"/>
               </a:ext>
             </a:extLst>
           </p:cNvPr>
@@ -3931,7 +4218,7 @@
         </p:nvCxnSpPr>
         <p:spPr>
           <a:xfrm flipV="1">
-            <a:off x="3380763" y="2019157"/>
+            <a:off x="6006599" y="5692405"/>
             <a:ext cx="0" cy="706873"/>
           </a:xfrm>
           <a:prstGeom prst="straightConnector1">
@@ -3959,50 +4246,662 @@
           </a:fontRef>
         </p:style>
       </p:cxnSp>
-      <p:cxnSp>
-        <p:nvCxnSpPr>
-          <p:cNvPr id="19" name="Straight Arrow Connector 18">
-            <a:extLst>
-              <a:ext uri="{FF2B5EF4-FFF2-40B4-BE49-F238E27FC236}">
-                <a16:creationId xmlns:a16="http://schemas.microsoft.com/office/drawing/2014/main" id="{8B2AD13C-14D7-4ED9-AAC9-B4BBD707577B}"/>
-              </a:ext>
-            </a:extLst>
-          </p:cNvPr>
-          <p:cNvCxnSpPr>
-            <a:cxnSpLocks/>
-          </p:cNvCxnSpPr>
+      <p:graphicFrame>
+        <p:nvGraphicFramePr>
+          <p:cNvPr id="40" name="Table 39">
+            <a:extLst>
+              <a:ext uri="{FF2B5EF4-FFF2-40B4-BE49-F238E27FC236}">
+                <a16:creationId xmlns:a16="http://schemas.microsoft.com/office/drawing/2014/main" id="{6DB3D2B8-B547-451C-9E96-F47EC9895D0E}"/>
+              </a:ext>
+            </a:extLst>
+          </p:cNvPr>
+          <p:cNvGraphicFramePr>
+            <a:graphicFrameLocks noGrp="1"/>
+          </p:cNvGraphicFramePr>
+          <p:nvPr>
+            <p:extLst>
+              <p:ext uri="{D42A27DB-BD31-4B8C-83A1-F6EECF244321}">
+                <p14:modId xmlns:p14="http://schemas.microsoft.com/office/powerpoint/2010/main" val="54061271"/>
+              </p:ext>
+            </p:extLst>
+          </p:nvPr>
+        </p:nvGraphicFramePr>
+        <p:xfrm>
+          <a:off x="522099" y="4482568"/>
+          <a:ext cx="2096326" cy="410363"/>
+        </p:xfrm>
+        <a:graphic>
+          <a:graphicData uri="http://schemas.openxmlformats.org/drawingml/2006/table">
+            <a:tbl>
+              <a:tblPr>
+                <a:tableStyleId>{638B1855-1B75-4FBE-930C-398BA8C253C6}</a:tableStyleId>
+              </a:tblPr>
+              <a:tblGrid>
+                <a:gridCol w="2096326">
+                  <a:extLst>
+                    <a:ext uri="{9D8B030D-6E8A-4147-A177-3AD203B41FA5}">
+                      <a16:colId xmlns:a16="http://schemas.microsoft.com/office/drawing/2014/main" val="4240773277"/>
+                    </a:ext>
+                  </a:extLst>
+                </a:gridCol>
+              </a:tblGrid>
+              <a:tr h="410363">
+                <a:tc>
+                  <a:txBody>
+                    <a:bodyPr/>
+                    <a:lstStyle/>
+                    <a:p>
+                      <a:pPr algn="ctr"/>
+                      <a:r>
+                        <a:rPr lang="en-SG" u="sng" dirty="0"/>
+                        <a:t>td0:</a:t>
+                      </a:r>
+                      <a:r>
+                        <a:rPr lang="en-SG" sz="1800" u="sng" dirty="0"/>
+                        <a:t>TrackedData</a:t>
+                      </a:r>
+                      <a:endParaRPr lang="en-SG" sz="1600" u="sng" dirty="0"/>
+                    </a:p>
+                  </a:txBody>
+                  <a:tcPr/>
+                </a:tc>
+                <a:extLst>
+                  <a:ext uri="{0D108BD9-81ED-4DB2-BD59-A6C34878D82A}">
+                    <a16:rowId xmlns:a16="http://schemas.microsoft.com/office/drawing/2014/main" val="2194462629"/>
+                  </a:ext>
+                </a:extLst>
+              </a:tr>
+            </a:tbl>
+          </a:graphicData>
+        </a:graphic>
+      </p:graphicFrame>
+      <p:sp>
+        <p:nvSpPr>
+          <p:cNvPr id="41" name="Rectangle 40">
+            <a:extLst>
+              <a:ext uri="{FF2B5EF4-FFF2-40B4-BE49-F238E27FC236}">
+                <a16:creationId xmlns:a16="http://schemas.microsoft.com/office/drawing/2014/main" id="{7D561676-E82D-42B7-A7CA-9FC81680100A}"/>
+              </a:ext>
+            </a:extLst>
+          </p:cNvPr>
+          <p:cNvSpPr/>
           <p:nvPr/>
-        </p:nvCxnSpPr>
+        </p:nvSpPr>
         <p:spPr>
-          <a:xfrm flipV="1">
-            <a:off x="5497637" y="4432492"/>
-            <a:ext cx="0" cy="706873"/>
+          <a:xfrm>
+            <a:off x="413657" y="4382419"/>
+            <a:ext cx="11364686" cy="618187"/>
           </a:xfrm>
-          <a:prstGeom prst="straightConnector1">
+          <a:prstGeom prst="rect">
             <a:avLst/>
           </a:prstGeom>
+          <a:noFill/>
           <a:ln>
             <a:solidFill>
-              <a:srgbClr val="C00000"/>
+              <a:schemeClr val="tx1"/>
             </a:solidFill>
-            <a:tailEnd type="triangle"/>
           </a:ln>
         </p:spPr>
         <p:style>
-          <a:lnRef idx="1">
-            <a:schemeClr val="accent1"/>
+          <a:lnRef idx="2">
+            <a:schemeClr val="accent1">
+              <a:shade val="50000"/>
+            </a:schemeClr>
           </a:lnRef>
-          <a:fillRef idx="0">
+          <a:fillRef idx="1">
             <a:schemeClr val="accent1"/>
           </a:fillRef>
           <a:effectRef idx="0">
             <a:schemeClr val="accent1"/>
           </a:effectRef>
           <a:fontRef idx="minor">
-            <a:schemeClr val="tx1"/>
+            <a:schemeClr val="lt1"/>
           </a:fontRef>
         </p:style>
-      </p:cxnSp>
+        <p:txBody>
+          <a:bodyPr rtlCol="0" anchor="ctr"/>
+          <a:lstStyle/>
+          <a:p>
+            <a:pPr algn="ctr"/>
+            <a:endParaRPr lang="en-US"/>
+          </a:p>
+        </p:txBody>
+      </p:sp>
+      <p:graphicFrame>
+        <p:nvGraphicFramePr>
+          <p:cNvPr id="42" name="Table 41">
+            <a:extLst>
+              <a:ext uri="{FF2B5EF4-FFF2-40B4-BE49-F238E27FC236}">
+                <a16:creationId xmlns:a16="http://schemas.microsoft.com/office/drawing/2014/main" id="{598D1582-1F59-42EA-911A-3EAA46BFE578}"/>
+              </a:ext>
+            </a:extLst>
+          </p:cNvPr>
+          <p:cNvGraphicFramePr>
+            <a:graphicFrameLocks noGrp="1"/>
+          </p:cNvGraphicFramePr>
+          <p:nvPr>
+            <p:extLst>
+              <p:ext uri="{D42A27DB-BD31-4B8C-83A1-F6EECF244321}">
+                <p14:modId xmlns:p14="http://schemas.microsoft.com/office/powerpoint/2010/main" val="3889521840"/>
+              </p:ext>
+            </p:extLst>
+          </p:nvPr>
+        </p:nvGraphicFramePr>
+        <p:xfrm>
+          <a:off x="522099" y="3812396"/>
+          <a:ext cx="2096326" cy="410363"/>
+        </p:xfrm>
+        <a:graphic>
+          <a:graphicData uri="http://schemas.openxmlformats.org/drawingml/2006/table">
+            <a:tbl>
+              <a:tblPr>
+                <a:tableStyleId>{638B1855-1B75-4FBE-930C-398BA8C253C6}</a:tableStyleId>
+              </a:tblPr>
+              <a:tblGrid>
+                <a:gridCol w="2096326">
+                  <a:extLst>
+                    <a:ext uri="{9D8B030D-6E8A-4147-A177-3AD203B41FA5}">
+                      <a16:colId xmlns:a16="http://schemas.microsoft.com/office/drawing/2014/main" val="4240773277"/>
+                    </a:ext>
+                  </a:extLst>
+                </a:gridCol>
+              </a:tblGrid>
+              <a:tr h="410363">
+                <a:tc>
+                  <a:txBody>
+                    <a:bodyPr/>
+                    <a:lstStyle/>
+                    <a:p>
+                      <a:pPr algn="ctr"/>
+                      <a:r>
+                        <a:rPr lang="en-SG" u="sng" dirty="0"/>
+                        <a:t>wb0:</a:t>
+                      </a:r>
+                      <a:r>
+                        <a:rPr lang="en-SG" sz="1800" u="sng" dirty="0"/>
+                        <a:t>WorkoutBook</a:t>
+                      </a:r>
+                      <a:endParaRPr lang="en-SG" sz="1600" u="sng" dirty="0"/>
+                    </a:p>
+                  </a:txBody>
+                  <a:tcPr/>
+                </a:tc>
+                <a:extLst>
+                  <a:ext uri="{0D108BD9-81ED-4DB2-BD59-A6C34878D82A}">
+                    <a16:rowId xmlns:a16="http://schemas.microsoft.com/office/drawing/2014/main" val="2194462629"/>
+                  </a:ext>
+                </a:extLst>
+              </a:tr>
+            </a:tbl>
+          </a:graphicData>
+        </a:graphic>
+      </p:graphicFrame>
+      <p:sp>
+        <p:nvSpPr>
+          <p:cNvPr id="43" name="Rectangle 42">
+            <a:extLst>
+              <a:ext uri="{FF2B5EF4-FFF2-40B4-BE49-F238E27FC236}">
+                <a16:creationId xmlns:a16="http://schemas.microsoft.com/office/drawing/2014/main" id="{FFF82069-002D-4CEE-AC8D-5774EB7DDD33}"/>
+              </a:ext>
+            </a:extLst>
+          </p:cNvPr>
+          <p:cNvSpPr/>
+          <p:nvPr/>
+        </p:nvSpPr>
+        <p:spPr>
+          <a:xfrm>
+            <a:off x="413657" y="3712247"/>
+            <a:ext cx="11364686" cy="618187"/>
+          </a:xfrm>
+          <a:prstGeom prst="rect">
+            <a:avLst/>
+          </a:prstGeom>
+          <a:noFill/>
+          <a:ln>
+            <a:solidFill>
+              <a:schemeClr val="tx1"/>
+            </a:solidFill>
+          </a:ln>
+        </p:spPr>
+        <p:style>
+          <a:lnRef idx="2">
+            <a:schemeClr val="accent1">
+              <a:shade val="50000"/>
+            </a:schemeClr>
+          </a:lnRef>
+          <a:fillRef idx="1">
+            <a:schemeClr val="accent1"/>
+          </a:fillRef>
+          <a:effectRef idx="0">
+            <a:schemeClr val="accent1"/>
+          </a:effectRef>
+          <a:fontRef idx="minor">
+            <a:schemeClr val="lt1"/>
+          </a:fontRef>
+        </p:style>
+        <p:txBody>
+          <a:bodyPr rtlCol="0" anchor="ctr"/>
+          <a:lstStyle/>
+          <a:p>
+            <a:pPr algn="ctr"/>
+            <a:endParaRPr lang="en-US"/>
+          </a:p>
+        </p:txBody>
+      </p:sp>
+      <p:graphicFrame>
+        <p:nvGraphicFramePr>
+          <p:cNvPr id="44" name="Table 43">
+            <a:extLst>
+              <a:ext uri="{FF2B5EF4-FFF2-40B4-BE49-F238E27FC236}">
+                <a16:creationId xmlns:a16="http://schemas.microsoft.com/office/drawing/2014/main" id="{FE9EE9B3-3343-4100-97D8-BDA6B580CA03}"/>
+              </a:ext>
+            </a:extLst>
+          </p:cNvPr>
+          <p:cNvGraphicFramePr>
+            <a:graphicFrameLocks noGrp="1"/>
+          </p:cNvGraphicFramePr>
+          <p:nvPr>
+            <p:extLst>
+              <p:ext uri="{D42A27DB-BD31-4B8C-83A1-F6EECF244321}">
+                <p14:modId xmlns:p14="http://schemas.microsoft.com/office/powerpoint/2010/main" val="3527552841"/>
+              </p:ext>
+            </p:extLst>
+          </p:nvPr>
+        </p:nvGraphicFramePr>
+        <p:xfrm>
+          <a:off x="2726867" y="5145198"/>
+          <a:ext cx="2096326" cy="410363"/>
+        </p:xfrm>
+        <a:graphic>
+          <a:graphicData uri="http://schemas.openxmlformats.org/drawingml/2006/table">
+            <a:tbl>
+              <a:tblPr>
+                <a:tableStyleId>{638B1855-1B75-4FBE-930C-398BA8C253C6}</a:tableStyleId>
+              </a:tblPr>
+              <a:tblGrid>
+                <a:gridCol w="2096326">
+                  <a:extLst>
+                    <a:ext uri="{9D8B030D-6E8A-4147-A177-3AD203B41FA5}">
+                      <a16:colId xmlns:a16="http://schemas.microsoft.com/office/drawing/2014/main" val="4240773277"/>
+                    </a:ext>
+                  </a:extLst>
+                </a:gridCol>
+              </a:tblGrid>
+              <a:tr h="410363">
+                <a:tc>
+                  <a:txBody>
+                    <a:bodyPr/>
+                    <a:lstStyle/>
+                    <a:p>
+                      <a:pPr algn="ctr"/>
+                      <a:r>
+                        <a:rPr lang="en-SG" u="sng" dirty="0"/>
+                        <a:t>tdl1:</a:t>
+                      </a:r>
+                      <a:r>
+                        <a:rPr lang="en-SG" sz="1800" u="sng" dirty="0"/>
+                        <a:t>TrackedDataList</a:t>
+                      </a:r>
+                      <a:endParaRPr lang="en-SG" sz="1600" u="sng" dirty="0"/>
+                    </a:p>
+                  </a:txBody>
+                  <a:tcPr/>
+                </a:tc>
+                <a:extLst>
+                  <a:ext uri="{0D108BD9-81ED-4DB2-BD59-A6C34878D82A}">
+                    <a16:rowId xmlns:a16="http://schemas.microsoft.com/office/drawing/2014/main" val="2194462629"/>
+                  </a:ext>
+                </a:extLst>
+              </a:tr>
+            </a:tbl>
+          </a:graphicData>
+        </a:graphic>
+      </p:graphicFrame>
+      <p:graphicFrame>
+        <p:nvGraphicFramePr>
+          <p:cNvPr id="45" name="Table 44">
+            <a:extLst>
+              <a:ext uri="{FF2B5EF4-FFF2-40B4-BE49-F238E27FC236}">
+                <a16:creationId xmlns:a16="http://schemas.microsoft.com/office/drawing/2014/main" id="{F33064ED-7787-4F2A-8455-16C44736A551}"/>
+              </a:ext>
+            </a:extLst>
+          </p:cNvPr>
+          <p:cNvGraphicFramePr>
+            <a:graphicFrameLocks noGrp="1"/>
+          </p:cNvGraphicFramePr>
+          <p:nvPr>
+            <p:extLst>
+              <p:ext uri="{D42A27DB-BD31-4B8C-83A1-F6EECF244321}">
+                <p14:modId xmlns:p14="http://schemas.microsoft.com/office/powerpoint/2010/main" val="2897780239"/>
+              </p:ext>
+            </p:extLst>
+          </p:nvPr>
+        </p:nvGraphicFramePr>
+        <p:xfrm>
+          <a:off x="2726867" y="4482568"/>
+          <a:ext cx="2096326" cy="410363"/>
+        </p:xfrm>
+        <a:graphic>
+          <a:graphicData uri="http://schemas.openxmlformats.org/drawingml/2006/table">
+            <a:tbl>
+              <a:tblPr>
+                <a:tableStyleId>{638B1855-1B75-4FBE-930C-398BA8C253C6}</a:tableStyleId>
+              </a:tblPr>
+              <a:tblGrid>
+                <a:gridCol w="2096326">
+                  <a:extLst>
+                    <a:ext uri="{9D8B030D-6E8A-4147-A177-3AD203B41FA5}">
+                      <a16:colId xmlns:a16="http://schemas.microsoft.com/office/drawing/2014/main" val="4240773277"/>
+                    </a:ext>
+                  </a:extLst>
+                </a:gridCol>
+              </a:tblGrid>
+              <a:tr h="410363">
+                <a:tc>
+                  <a:txBody>
+                    <a:bodyPr/>
+                    <a:lstStyle/>
+                    <a:p>
+                      <a:pPr algn="ctr"/>
+                      <a:r>
+                        <a:rPr lang="en-SG" u="sng" dirty="0"/>
+                        <a:t>td1:</a:t>
+                      </a:r>
+                      <a:r>
+                        <a:rPr lang="en-SG" sz="1800" u="sng" dirty="0"/>
+                        <a:t>TrackedData</a:t>
+                      </a:r>
+                      <a:endParaRPr lang="en-SG" sz="1600" u="sng" dirty="0"/>
+                    </a:p>
+                  </a:txBody>
+                  <a:tcPr/>
+                </a:tc>
+                <a:extLst>
+                  <a:ext uri="{0D108BD9-81ED-4DB2-BD59-A6C34878D82A}">
+                    <a16:rowId xmlns:a16="http://schemas.microsoft.com/office/drawing/2014/main" val="2194462629"/>
+                  </a:ext>
+                </a:extLst>
+              </a:tr>
+            </a:tbl>
+          </a:graphicData>
+        </a:graphic>
+      </p:graphicFrame>
+      <p:graphicFrame>
+        <p:nvGraphicFramePr>
+          <p:cNvPr id="46" name="Table 45">
+            <a:extLst>
+              <a:ext uri="{FF2B5EF4-FFF2-40B4-BE49-F238E27FC236}">
+                <a16:creationId xmlns:a16="http://schemas.microsoft.com/office/drawing/2014/main" id="{682C0099-BC41-40BE-B243-A8E0CD5BF82D}"/>
+              </a:ext>
+            </a:extLst>
+          </p:cNvPr>
+          <p:cNvGraphicFramePr>
+            <a:graphicFrameLocks noGrp="1"/>
+          </p:cNvGraphicFramePr>
+          <p:nvPr>
+            <p:extLst>
+              <p:ext uri="{D42A27DB-BD31-4B8C-83A1-F6EECF244321}">
+                <p14:modId xmlns:p14="http://schemas.microsoft.com/office/powerpoint/2010/main" val="4062217874"/>
+              </p:ext>
+            </p:extLst>
+          </p:nvPr>
+        </p:nvGraphicFramePr>
+        <p:xfrm>
+          <a:off x="2726867" y="3812396"/>
+          <a:ext cx="2096326" cy="410363"/>
+        </p:xfrm>
+        <a:graphic>
+          <a:graphicData uri="http://schemas.openxmlformats.org/drawingml/2006/table">
+            <a:tbl>
+              <a:tblPr>
+                <a:tableStyleId>{638B1855-1B75-4FBE-930C-398BA8C253C6}</a:tableStyleId>
+              </a:tblPr>
+              <a:tblGrid>
+                <a:gridCol w="2096326">
+                  <a:extLst>
+                    <a:ext uri="{9D8B030D-6E8A-4147-A177-3AD203B41FA5}">
+                      <a16:colId xmlns:a16="http://schemas.microsoft.com/office/drawing/2014/main" val="4240773277"/>
+                    </a:ext>
+                  </a:extLst>
+                </a:gridCol>
+              </a:tblGrid>
+              <a:tr h="410363">
+                <a:tc>
+                  <a:txBody>
+                    <a:bodyPr/>
+                    <a:lstStyle/>
+                    <a:p>
+                      <a:pPr algn="ctr"/>
+                      <a:r>
+                        <a:rPr lang="en-SG" u="sng" dirty="0"/>
+                        <a:t>wb1:</a:t>
+                      </a:r>
+                      <a:r>
+                        <a:rPr lang="en-SG" sz="1800" u="sng" dirty="0"/>
+                        <a:t>WorkoutBook</a:t>
+                      </a:r>
+                      <a:endParaRPr lang="en-SG" sz="1600" u="sng" dirty="0"/>
+                    </a:p>
+                  </a:txBody>
+                  <a:tcPr/>
+                </a:tc>
+                <a:extLst>
+                  <a:ext uri="{0D108BD9-81ED-4DB2-BD59-A6C34878D82A}">
+                    <a16:rowId xmlns:a16="http://schemas.microsoft.com/office/drawing/2014/main" val="2194462629"/>
+                  </a:ext>
+                </a:extLst>
+              </a:tr>
+            </a:tbl>
+          </a:graphicData>
+        </a:graphic>
+      </p:graphicFrame>
+      <p:graphicFrame>
+        <p:nvGraphicFramePr>
+          <p:cNvPr id="47" name="Table 46">
+            <a:extLst>
+              <a:ext uri="{FF2B5EF4-FFF2-40B4-BE49-F238E27FC236}">
+                <a16:creationId xmlns:a16="http://schemas.microsoft.com/office/drawing/2014/main" id="{3D0754F5-5FD4-4110-8713-FBA0ED723C03}"/>
+              </a:ext>
+            </a:extLst>
+          </p:cNvPr>
+          <p:cNvGraphicFramePr>
+            <a:graphicFrameLocks noGrp="1"/>
+          </p:cNvGraphicFramePr>
+          <p:nvPr>
+            <p:extLst>
+              <p:ext uri="{D42A27DB-BD31-4B8C-83A1-F6EECF244321}">
+                <p14:modId xmlns:p14="http://schemas.microsoft.com/office/powerpoint/2010/main" val="2750392730"/>
+              </p:ext>
+            </p:extLst>
+          </p:nvPr>
+        </p:nvGraphicFramePr>
+        <p:xfrm>
+          <a:off x="4921136" y="5146677"/>
+          <a:ext cx="2096326" cy="410363"/>
+        </p:xfrm>
+        <a:graphic>
+          <a:graphicData uri="http://schemas.openxmlformats.org/drawingml/2006/table">
+            <a:tbl>
+              <a:tblPr>
+                <a:tableStyleId>{638B1855-1B75-4FBE-930C-398BA8C253C6}</a:tableStyleId>
+              </a:tblPr>
+              <a:tblGrid>
+                <a:gridCol w="2096326">
+                  <a:extLst>
+                    <a:ext uri="{9D8B030D-6E8A-4147-A177-3AD203B41FA5}">
+                      <a16:colId xmlns:a16="http://schemas.microsoft.com/office/drawing/2014/main" val="4240773277"/>
+                    </a:ext>
+                  </a:extLst>
+                </a:gridCol>
+              </a:tblGrid>
+              <a:tr h="410363">
+                <a:tc>
+                  <a:txBody>
+                    <a:bodyPr/>
+                    <a:lstStyle/>
+                    <a:p>
+                      <a:pPr algn="ctr"/>
+                      <a:r>
+                        <a:rPr lang="en-SG" u="sng" dirty="0"/>
+                        <a:t>tdl2:</a:t>
+                      </a:r>
+                      <a:r>
+                        <a:rPr lang="en-SG" sz="1800" u="sng" dirty="0"/>
+                        <a:t>TrackedDataList</a:t>
+                      </a:r>
+                      <a:endParaRPr lang="en-SG" sz="1600" u="sng" dirty="0"/>
+                    </a:p>
+                  </a:txBody>
+                  <a:tcPr/>
+                </a:tc>
+                <a:extLst>
+                  <a:ext uri="{0D108BD9-81ED-4DB2-BD59-A6C34878D82A}">
+                    <a16:rowId xmlns:a16="http://schemas.microsoft.com/office/drawing/2014/main" val="2194462629"/>
+                  </a:ext>
+                </a:extLst>
+              </a:tr>
+            </a:tbl>
+          </a:graphicData>
+        </a:graphic>
+      </p:graphicFrame>
+      <p:graphicFrame>
+        <p:nvGraphicFramePr>
+          <p:cNvPr id="48" name="Table 47">
+            <a:extLst>
+              <a:ext uri="{FF2B5EF4-FFF2-40B4-BE49-F238E27FC236}">
+                <a16:creationId xmlns:a16="http://schemas.microsoft.com/office/drawing/2014/main" id="{766F1FD5-E18D-4A24-AECB-6542DAE3ECB4}"/>
+              </a:ext>
+            </a:extLst>
+          </p:cNvPr>
+          <p:cNvGraphicFramePr>
+            <a:graphicFrameLocks noGrp="1"/>
+          </p:cNvGraphicFramePr>
+          <p:nvPr>
+            <p:extLst>
+              <p:ext uri="{D42A27DB-BD31-4B8C-83A1-F6EECF244321}">
+                <p14:modId xmlns:p14="http://schemas.microsoft.com/office/powerpoint/2010/main" val="3762250798"/>
+              </p:ext>
+            </p:extLst>
+          </p:nvPr>
+        </p:nvGraphicFramePr>
+        <p:xfrm>
+          <a:off x="4921136" y="4484047"/>
+          <a:ext cx="2096326" cy="410363"/>
+        </p:xfrm>
+        <a:graphic>
+          <a:graphicData uri="http://schemas.openxmlformats.org/drawingml/2006/table">
+            <a:tbl>
+              <a:tblPr>
+                <a:tableStyleId>{638B1855-1B75-4FBE-930C-398BA8C253C6}</a:tableStyleId>
+              </a:tblPr>
+              <a:tblGrid>
+                <a:gridCol w="2096326">
+                  <a:extLst>
+                    <a:ext uri="{9D8B030D-6E8A-4147-A177-3AD203B41FA5}">
+                      <a16:colId xmlns:a16="http://schemas.microsoft.com/office/drawing/2014/main" val="4240773277"/>
+                    </a:ext>
+                  </a:extLst>
+                </a:gridCol>
+              </a:tblGrid>
+              <a:tr h="410363">
+                <a:tc>
+                  <a:txBody>
+                    <a:bodyPr/>
+                    <a:lstStyle/>
+                    <a:p>
+                      <a:pPr algn="ctr"/>
+                      <a:r>
+                        <a:rPr lang="en-SG" u="sng" dirty="0"/>
+                        <a:t>td2:</a:t>
+                      </a:r>
+                      <a:r>
+                        <a:rPr lang="en-SG" sz="1800" u="sng" dirty="0"/>
+                        <a:t>TrackedData</a:t>
+                      </a:r>
+                      <a:endParaRPr lang="en-SG" sz="1600" u="sng" dirty="0"/>
+                    </a:p>
+                  </a:txBody>
+                  <a:tcPr/>
+                </a:tc>
+                <a:extLst>
+                  <a:ext uri="{0D108BD9-81ED-4DB2-BD59-A6C34878D82A}">
+                    <a16:rowId xmlns:a16="http://schemas.microsoft.com/office/drawing/2014/main" val="2194462629"/>
+                  </a:ext>
+                </a:extLst>
+              </a:tr>
+            </a:tbl>
+          </a:graphicData>
+        </a:graphic>
+      </p:graphicFrame>
+      <p:graphicFrame>
+        <p:nvGraphicFramePr>
+          <p:cNvPr id="49" name="Table 48">
+            <a:extLst>
+              <a:ext uri="{FF2B5EF4-FFF2-40B4-BE49-F238E27FC236}">
+                <a16:creationId xmlns:a16="http://schemas.microsoft.com/office/drawing/2014/main" id="{D334EA90-944F-4045-849E-2CF893049384}"/>
+              </a:ext>
+            </a:extLst>
+          </p:cNvPr>
+          <p:cNvGraphicFramePr>
+            <a:graphicFrameLocks noGrp="1"/>
+          </p:cNvGraphicFramePr>
+          <p:nvPr>
+            <p:extLst>
+              <p:ext uri="{D42A27DB-BD31-4B8C-83A1-F6EECF244321}">
+                <p14:modId xmlns:p14="http://schemas.microsoft.com/office/powerpoint/2010/main" val="1720901577"/>
+              </p:ext>
+            </p:extLst>
+          </p:nvPr>
+        </p:nvGraphicFramePr>
+        <p:xfrm>
+          <a:off x="4921136" y="3813875"/>
+          <a:ext cx="2096326" cy="410363"/>
+        </p:xfrm>
+        <a:graphic>
+          <a:graphicData uri="http://schemas.openxmlformats.org/drawingml/2006/table">
+            <a:tbl>
+              <a:tblPr>
+                <a:tableStyleId>{638B1855-1B75-4FBE-930C-398BA8C253C6}</a:tableStyleId>
+              </a:tblPr>
+              <a:tblGrid>
+                <a:gridCol w="2096326">
+                  <a:extLst>
+                    <a:ext uri="{9D8B030D-6E8A-4147-A177-3AD203B41FA5}">
+                      <a16:colId xmlns:a16="http://schemas.microsoft.com/office/drawing/2014/main" val="4240773277"/>
+                    </a:ext>
+                  </a:extLst>
+                </a:gridCol>
+              </a:tblGrid>
+              <a:tr h="410363">
+                <a:tc>
+                  <a:txBody>
+                    <a:bodyPr/>
+                    <a:lstStyle/>
+                    <a:p>
+                      <a:pPr algn="ctr"/>
+                      <a:r>
+                        <a:rPr lang="en-SG" u="sng" dirty="0"/>
+                        <a:t>wb2:</a:t>
+                      </a:r>
+                      <a:r>
+                        <a:rPr lang="en-SG" sz="1800" u="sng" dirty="0"/>
+                        <a:t>WorkoutBook</a:t>
+                      </a:r>
+                      <a:endParaRPr lang="en-SG" sz="1600" u="sng" dirty="0"/>
+                    </a:p>
+                  </a:txBody>
+                  <a:tcPr/>
+                </a:tc>
+                <a:extLst>
+                  <a:ext uri="{0D108BD9-81ED-4DB2-BD59-A6C34878D82A}">
+                    <a16:rowId xmlns:a16="http://schemas.microsoft.com/office/drawing/2014/main" val="2194462629"/>
+                  </a:ext>
+                </a:extLst>
+              </a:tr>
+            </a:tbl>
+          </a:graphicData>
+        </a:graphic>
+      </p:graphicFrame>
     </p:spTree>
     <p:extLst>
       <p:ext uri="{BB962C8B-B14F-4D97-AF65-F5344CB8AC3E}">
